--- a/Agile Business Analysis/07-Analysis Challenges.pptx
+++ b/Agile Business Analysis/07-Analysis Challenges.pptx
@@ -229,6 +229,34 @@
           </p14:sldIdLst>
         </p14:section>
       </p14:sectionLst>
+    </p:ext>
+    <p:ext uri="{EFAFB233-063F-42B5-8137-9DF3F51BA10A}">
+      <p15:sldGuideLst xmlns:p15="http://schemas.microsoft.com/office/powerpoint/2012/main">
+        <p15:guide id="1" orient="horz" pos="2160">
+          <p15:clr>
+            <a:srgbClr val="A4A3A4"/>
+          </p15:clr>
+        </p15:guide>
+        <p15:guide id="2" pos="2880">
+          <p15:clr>
+            <a:srgbClr val="A4A3A4"/>
+          </p15:clr>
+        </p15:guide>
+      </p15:sldGuideLst>
+    </p:ext>
+    <p:ext uri="{2D200454-40CA-4A62-9FC3-DE9A4176ACB9}">
+      <p15:notesGuideLst xmlns:p15="http://schemas.microsoft.com/office/powerpoint/2012/main">
+        <p15:guide id="1" orient="horz" pos="2921">
+          <p15:clr>
+            <a:srgbClr val="A4A3A4"/>
+          </p15:clr>
+        </p15:guide>
+        <p15:guide id="2" pos="2200">
+          <p15:clr>
+            <a:srgbClr val="A4A3A4"/>
+          </p15:clr>
+        </p15:guide>
+      </p15:notesGuideLst>
     </p:ext>
   </p:extLst>
 </p:presentation>
@@ -15258,7 +15286,7 @@
             <a:fld id="{3645A85B-5EE2-224D-892B-EBDEE738041D}" type="datetime1">
               <a:rPr lang="en-US"/>
               <a:pPr/>
-              <a:t>9/23/15</a:t>
+              <a:t>10/5/15</a:t>
             </a:fld>
             <a:endParaRPr lang="en-US"/>
           </a:p>
@@ -15501,7 +15529,7 @@
             <a:fld id="{357A0049-9727-1C49-9F90-B954D42273FA}" type="datetime1">
               <a:rPr lang="en-US"/>
               <a:pPr/>
-              <a:t>9/23/15</a:t>
+              <a:t>10/5/15</a:t>
             </a:fld>
             <a:endParaRPr lang="en-US"/>
           </a:p>
@@ -15912,6 +15940,11 @@
         </p:txBody>
       </p:sp>
     </p:spTree>
+    <p:extLst>
+      <p:ext uri="{BB962C8B-B14F-4D97-AF65-F5344CB8AC3E}">
+        <p14:creationId xmlns:p14="http://schemas.microsoft.com/office/powerpoint/2010/main" val="2123548886"/>
+      </p:ext>
+    </p:extLst>
   </p:cSld>
   <p:clrMapOvr>
     <a:masterClrMapping/>
@@ -15968,6 +16001,11 @@
         </p:txBody>
       </p:sp>
     </p:spTree>
+    <p:extLst>
+      <p:ext uri="{BB962C8B-B14F-4D97-AF65-F5344CB8AC3E}">
+        <p14:creationId xmlns:p14="http://schemas.microsoft.com/office/powerpoint/2010/main" val="1991272295"/>
+      </p:ext>
+    </p:extLst>
   </p:cSld>
   <p:clrMapOvr>
     <a:masterClrMapping/>
@@ -16023,6 +16061,11 @@
         </p:txBody>
       </p:sp>
     </p:spTree>
+    <p:extLst>
+      <p:ext uri="{BB962C8B-B14F-4D97-AF65-F5344CB8AC3E}">
+        <p14:creationId xmlns:p14="http://schemas.microsoft.com/office/powerpoint/2010/main" val="928307217"/>
+      </p:ext>
+    </p:extLst>
   </p:cSld>
   <p:clrMapOvr>
     <a:masterClrMapping/>
@@ -16079,6 +16122,11 @@
         </p:txBody>
       </p:sp>
     </p:spTree>
+    <p:extLst>
+      <p:ext uri="{BB962C8B-B14F-4D97-AF65-F5344CB8AC3E}">
+        <p14:creationId xmlns:p14="http://schemas.microsoft.com/office/powerpoint/2010/main" val="590700664"/>
+      </p:ext>
+    </p:extLst>
   </p:cSld>
   <p:clrMapOvr>
     <a:masterClrMapping/>
@@ -16133,7 +16181,7 @@
         </p:spPr>
         <p:txBody>
           <a:bodyPr>
-            <a:normAutofit fontScale="92500" lnSpcReduction="20000"/>
+            <a:normAutofit fontScale="85000" lnSpcReduction="20000"/>
           </a:bodyPr>
           <a:lstStyle/>
           <a:p>
@@ -16236,6 +16284,11 @@
         </p:txBody>
       </p:sp>
     </p:spTree>
+    <p:extLst>
+      <p:ext uri="{BB962C8B-B14F-4D97-AF65-F5344CB8AC3E}">
+        <p14:creationId xmlns:p14="http://schemas.microsoft.com/office/powerpoint/2010/main" val="89159767"/>
+      </p:ext>
+    </p:extLst>
   </p:cSld>
   <p:clrMapOvr>
     <a:masterClrMapping/>
@@ -16539,6 +16592,11 @@
         </p:txBody>
       </p:sp>
     </p:spTree>
+    <p:extLst>
+      <p:ext uri="{BB962C8B-B14F-4D97-AF65-F5344CB8AC3E}">
+        <p14:creationId xmlns:p14="http://schemas.microsoft.com/office/powerpoint/2010/main" val="1712102010"/>
+      </p:ext>
+    </p:extLst>
   </p:cSld>
   <p:clrMapOvr>
     <a:masterClrMapping/>
@@ -16588,7 +16646,7 @@
         <p:spPr/>
         <p:txBody>
           <a:bodyPr>
-            <a:normAutofit/>
+            <a:normAutofit fontScale="70000" lnSpcReduction="20000"/>
           </a:bodyPr>
           <a:lstStyle/>
           <a:p>
@@ -16714,6 +16772,11 @@
         </p:txBody>
       </p:sp>
     </p:spTree>
+    <p:extLst>
+      <p:ext uri="{BB962C8B-B14F-4D97-AF65-F5344CB8AC3E}">
+        <p14:creationId xmlns:p14="http://schemas.microsoft.com/office/powerpoint/2010/main" val="1165095917"/>
+      </p:ext>
+    </p:extLst>
   </p:cSld>
   <p:clrMapOvr>
     <a:masterClrMapping/>
@@ -17059,6 +17122,11 @@
         </p:txBody>
       </p:sp>
     </p:spTree>
+    <p:extLst>
+      <p:ext uri="{BB962C8B-B14F-4D97-AF65-F5344CB8AC3E}">
+        <p14:creationId xmlns:p14="http://schemas.microsoft.com/office/powerpoint/2010/main" val="1011183673"/>
+      </p:ext>
+    </p:extLst>
   </p:cSld>
   <p:clrMapOvr>
     <a:masterClrMapping/>
@@ -17375,6 +17443,11 @@
         </p:txBody>
       </p:sp>
     </p:spTree>
+    <p:extLst>
+      <p:ext uri="{BB962C8B-B14F-4D97-AF65-F5344CB8AC3E}">
+        <p14:creationId xmlns:p14="http://schemas.microsoft.com/office/powerpoint/2010/main" val="1925893400"/>
+      </p:ext>
+    </p:extLst>
   </p:cSld>
   <p:clrMapOvr>
     <a:masterClrMapping/>
@@ -17531,6 +17604,11 @@
         </p:txBody>
       </p:sp>
     </p:spTree>
+    <p:extLst>
+      <p:ext uri="{BB962C8B-B14F-4D97-AF65-F5344CB8AC3E}">
+        <p14:creationId xmlns:p14="http://schemas.microsoft.com/office/powerpoint/2010/main" val="1616846216"/>
+      </p:ext>
+    </p:extLst>
   </p:cSld>
   <p:clrMapOvr>
     <a:masterClrMapping/>
@@ -17692,6 +17770,11 @@
         </p:txBody>
       </p:sp>
     </p:spTree>
+    <p:extLst>
+      <p:ext uri="{BB962C8B-B14F-4D97-AF65-F5344CB8AC3E}">
+        <p14:creationId xmlns:p14="http://schemas.microsoft.com/office/powerpoint/2010/main" val="76283174"/>
+      </p:ext>
+    </p:extLst>
   </p:cSld>
   <p:clrMapOvr>
     <a:masterClrMapping/>
@@ -17774,6 +17857,11 @@
         </p:txBody>
       </p:sp>
     </p:spTree>
+    <p:extLst>
+      <p:ext uri="{BB962C8B-B14F-4D97-AF65-F5344CB8AC3E}">
+        <p14:creationId xmlns:p14="http://schemas.microsoft.com/office/powerpoint/2010/main" val="1455397509"/>
+      </p:ext>
+    </p:extLst>
   </p:cSld>
   <p:clrMapOvr>
     <a:masterClrMapping/>
@@ -17942,6 +18030,11 @@
         </p:txBody>
       </p:sp>
     </p:spTree>
+    <p:extLst>
+      <p:ext uri="{BB962C8B-B14F-4D97-AF65-F5344CB8AC3E}">
+        <p14:creationId xmlns:p14="http://schemas.microsoft.com/office/powerpoint/2010/main" val="43568159"/>
+      </p:ext>
+    </p:extLst>
   </p:cSld>
   <p:clrMapOvr>
     <a:masterClrMapping/>
@@ -18065,6 +18158,11 @@
         </p:txBody>
       </p:sp>
     </p:spTree>
+    <p:extLst>
+      <p:ext uri="{BB962C8B-B14F-4D97-AF65-F5344CB8AC3E}">
+        <p14:creationId xmlns:p14="http://schemas.microsoft.com/office/powerpoint/2010/main" val="2105608333"/>
+      </p:ext>
+    </p:extLst>
   </p:cSld>
   <p:clrMapOvr>
     <a:masterClrMapping/>
@@ -18151,6 +18249,11 @@
         </p:txBody>
       </p:sp>
     </p:spTree>
+    <p:extLst>
+      <p:ext uri="{BB962C8B-B14F-4D97-AF65-F5344CB8AC3E}">
+        <p14:creationId xmlns:p14="http://schemas.microsoft.com/office/powerpoint/2010/main" val="576233818"/>
+      </p:ext>
+    </p:extLst>
   </p:cSld>
   <p:clrMapOvr>
     <a:masterClrMapping/>
@@ -18252,6 +18355,11 @@
         </p:txBody>
       </p:sp>
     </p:spTree>
+    <p:extLst>
+      <p:ext uri="{BB962C8B-B14F-4D97-AF65-F5344CB8AC3E}">
+        <p14:creationId xmlns:p14="http://schemas.microsoft.com/office/powerpoint/2010/main" val="1027194433"/>
+      </p:ext>
+    </p:extLst>
   </p:cSld>
   <p:clrMapOvr>
     <a:masterClrMapping/>
@@ -18389,6 +18497,11 @@
         </p:txBody>
       </p:sp>
     </p:spTree>
+    <p:extLst>
+      <p:ext uri="{BB962C8B-B14F-4D97-AF65-F5344CB8AC3E}">
+        <p14:creationId xmlns:p14="http://schemas.microsoft.com/office/powerpoint/2010/main" val="435797198"/>
+      </p:ext>
+    </p:extLst>
   </p:cSld>
   <p:clrMapOvr>
     <a:masterClrMapping/>
@@ -18508,6 +18621,11 @@
         </p:txBody>
       </p:sp>
     </p:spTree>
+    <p:extLst>
+      <p:ext uri="{BB962C8B-B14F-4D97-AF65-F5344CB8AC3E}">
+        <p14:creationId xmlns:p14="http://schemas.microsoft.com/office/powerpoint/2010/main" val="1524270516"/>
+      </p:ext>
+    </p:extLst>
   </p:cSld>
   <p:clrMapOvr>
     <a:masterClrMapping/>
@@ -18624,6 +18742,11 @@
         </p:txBody>
       </p:sp>
     </p:spTree>
+    <p:extLst>
+      <p:ext uri="{BB962C8B-B14F-4D97-AF65-F5344CB8AC3E}">
+        <p14:creationId xmlns:p14="http://schemas.microsoft.com/office/powerpoint/2010/main" val="443418200"/>
+      </p:ext>
+    </p:extLst>
   </p:cSld>
   <p:clrMapOvr>
     <a:masterClrMapping/>
@@ -18746,6 +18869,11 @@
         </p:txBody>
       </p:sp>
     </p:spTree>
+    <p:extLst>
+      <p:ext uri="{BB962C8B-B14F-4D97-AF65-F5344CB8AC3E}">
+        <p14:creationId xmlns:p14="http://schemas.microsoft.com/office/powerpoint/2010/main" val="761432310"/>
+      </p:ext>
+    </p:extLst>
   </p:cSld>
   <p:clrMapOvr>
     <a:masterClrMapping/>
@@ -18862,6 +18990,11 @@
         </p:txBody>
       </p:sp>
     </p:spTree>
+    <p:extLst>
+      <p:ext uri="{BB962C8B-B14F-4D97-AF65-F5344CB8AC3E}">
+        <p14:creationId xmlns:p14="http://schemas.microsoft.com/office/powerpoint/2010/main" val="537781697"/>
+      </p:ext>
+    </p:extLst>
   </p:cSld>
   <p:clrMapOvr>
     <a:masterClrMapping/>
@@ -18915,7 +19048,9 @@
           <a:ln/>
         </p:spPr>
         <p:txBody>
-          <a:bodyPr/>
+          <a:bodyPr>
+            <a:normAutofit fontScale="85000" lnSpcReduction="20000"/>
+          </a:bodyPr>
           <a:lstStyle/>
           <a:p>
             <a:r>
@@ -19127,6 +19262,11 @@
         </p:txBody>
       </p:sp>
     </p:spTree>
+    <p:extLst>
+      <p:ext uri="{BB962C8B-B14F-4D97-AF65-F5344CB8AC3E}">
+        <p14:creationId xmlns:p14="http://schemas.microsoft.com/office/powerpoint/2010/main" val="1885794903"/>
+      </p:ext>
+    </p:extLst>
   </p:cSld>
   <p:clrMapOvr>
     <a:masterClrMapping/>
@@ -19688,11 +19828,11 @@
   <p:clrMapOvr>
     <a:masterClrMapping/>
   </p:clrMapOvr>
-  <p:transition xmlns:p14="http://schemas.microsoft.com/office/powerpoint/2010/main"/>
+  <p:transition/>
   <p:timing>
     <p:tnLst>
       <p:par>
-        <p:cTn xmlns:p14="http://schemas.microsoft.com/office/powerpoint/2010/main" id="1" dur="indefinite" restart="never" nodeType="tmRoot"/>
+        <p:cTn id="1" dur="indefinite" restart="never" nodeType="tmRoot"/>
       </p:par>
     </p:tnLst>
   </p:timing>
@@ -20063,13 +20203,13 @@
   <p:clrMapOvr>
     <a:masterClrMapping/>
   </p:clrMapOvr>
-  <p:transition xmlns:p14="http://schemas.microsoft.com/office/powerpoint/2010/main" spd="med">
+  <p:transition spd="med">
     <p:fade/>
   </p:transition>
   <p:timing>
     <p:tnLst>
       <p:par>
-        <p:cTn xmlns:p14="http://schemas.microsoft.com/office/powerpoint/2010/main" id="1" dur="indefinite" restart="never" nodeType="tmRoot"/>
+        <p:cTn id="1" dur="indefinite" restart="never" nodeType="tmRoot"/>
       </p:par>
     </p:tnLst>
   </p:timing>
@@ -20478,13 +20618,13 @@
   <p:clrMapOvr>
     <a:masterClrMapping/>
   </p:clrMapOvr>
-  <p:transition xmlns:p14="http://schemas.microsoft.com/office/powerpoint/2010/main" spd="med">
+  <p:transition spd="med">
     <p:fade/>
   </p:transition>
   <p:timing>
     <p:tnLst>
       <p:par>
-        <p:cTn xmlns:p14="http://schemas.microsoft.com/office/powerpoint/2010/main" id="1" dur="indefinite" restart="never" nodeType="tmRoot"/>
+        <p:cTn id="1" dur="indefinite" restart="never" nodeType="tmRoot"/>
       </p:par>
     </p:tnLst>
   </p:timing>
@@ -20845,13 +20985,13 @@
   <p:clrMapOvr>
     <a:masterClrMapping/>
   </p:clrMapOvr>
-  <p:transition xmlns:p14="http://schemas.microsoft.com/office/powerpoint/2010/main" spd="med">
+  <p:transition spd="med">
     <p:fade/>
   </p:transition>
   <p:timing>
     <p:tnLst>
       <p:par>
-        <p:cTn xmlns:p14="http://schemas.microsoft.com/office/powerpoint/2010/main" id="1" dur="indefinite" restart="never" nodeType="tmRoot"/>
+        <p:cTn id="1" dur="indefinite" restart="never" nodeType="tmRoot"/>
       </p:par>
     </p:tnLst>
   </p:timing>
@@ -20908,13 +21048,13 @@
   <p:clrMapOvr>
     <a:masterClrMapping/>
   </p:clrMapOvr>
-  <p:transition xmlns:p14="http://schemas.microsoft.com/office/powerpoint/2010/main" spd="med">
+  <p:transition spd="med">
     <p:fade/>
   </p:transition>
   <p:timing>
     <p:tnLst>
       <p:par>
-        <p:cTn xmlns:p14="http://schemas.microsoft.com/office/powerpoint/2010/main" id="1" dur="indefinite" restart="never" nodeType="tmRoot"/>
+        <p:cTn id="1" dur="indefinite" restart="never" nodeType="tmRoot"/>
       </p:par>
     </p:tnLst>
   </p:timing>
@@ -20948,13 +21088,13 @@
   <p:clrMapOvr>
     <a:masterClrMapping/>
   </p:clrMapOvr>
-  <p:transition xmlns:p14="http://schemas.microsoft.com/office/powerpoint/2010/main" spd="med">
+  <p:transition spd="med">
     <p:fade/>
   </p:transition>
   <p:timing>
     <p:tnLst>
       <p:par>
-        <p:cTn xmlns:p14="http://schemas.microsoft.com/office/powerpoint/2010/main" id="1" dur="indefinite" restart="never" nodeType="tmRoot"/>
+        <p:cTn id="1" dur="indefinite" restart="never" nodeType="tmRoot"/>
       </p:par>
     </p:tnLst>
   </p:timing>
@@ -21555,13 +21695,13 @@
   <p:sldLayoutIdLst>
     <p:sldLayoutId id="2147483689" r:id="rId1"/>
   </p:sldLayoutIdLst>
-  <p:transition xmlns:p14="http://schemas.microsoft.com/office/powerpoint/2010/main" spd="med">
+  <p:transition spd="med">
     <p:fade/>
   </p:transition>
   <p:timing>
     <p:tnLst>
       <p:par>
-        <p:cTn xmlns:p14="http://schemas.microsoft.com/office/powerpoint/2010/main" id="1" dur="indefinite" restart="never" nodeType="tmRoot"/>
+        <p:cTn id="1" dur="indefinite" restart="never" nodeType="tmRoot"/>
       </p:par>
     </p:tnLst>
   </p:timing>
@@ -22186,13 +22326,13 @@
     <p:sldLayoutId id="2147483727" r:id="rId11"/>
     <p:sldLayoutId id="2147483728" r:id="rId12"/>
   </p:sldLayoutIdLst>
-  <p:transition xmlns:p14="http://schemas.microsoft.com/office/powerpoint/2010/main" spd="med">
+  <p:transition spd="med">
     <p:fade/>
   </p:transition>
   <p:timing>
     <p:tnLst>
       <p:par>
-        <p:cTn xmlns:p14="http://schemas.microsoft.com/office/powerpoint/2010/main" id="1" dur="indefinite" restart="never" nodeType="tmRoot"/>
+        <p:cTn id="1" dur="indefinite" restart="never" nodeType="tmRoot"/>
       </p:par>
     </p:tnLst>
   </p:timing>
@@ -22512,15 +22652,18 @@
           </a:ln>
           <a:effectLst/>
           <a:extLst>
+            <a:ext uri="{FAA26D3D-D897-4be2-8F04-BA451C77F1D7}">
+              <ma14:placeholderFlag xmlns:ma14="http://schemas.microsoft.com/office/mac/drawingml/2011/main" val="1"/>
+            </a:ext>
             <a:ext uri="{909E8E84-426E-40dd-AFC4-6F175D3DCCD1}">
-              <a14:hiddenFill xmlns:a14="http://schemas.microsoft.com/office/drawing/2010/main">
+              <a14:hiddenFill xmlns:a14="http://schemas.microsoft.com/office/drawing/2010/main" xmlns="">
                 <a:solidFill>
                   <a:srgbClr val="FFFFFF"/>
                 </a:solidFill>
               </a14:hiddenFill>
             </a:ext>
             <a:ext uri="{91240B29-F687-4f45-9708-019B960494DF}">
-              <a14:hiddenLine xmlns:a14="http://schemas.microsoft.com/office/drawing/2010/main" w="9525">
+              <a14:hiddenLine xmlns:a14="http://schemas.microsoft.com/office/drawing/2010/main" xmlns="" w="9525">
                 <a:solidFill>
                   <a:schemeClr val="tx1"/>
                 </a:solidFill>
@@ -22530,7 +22673,7 @@
               </a14:hiddenLine>
             </a:ext>
             <a:ext uri="{AF507438-7753-43e0-B8FC-AC1667EBCBE1}">
-              <a14:hiddenEffects xmlns:a14="http://schemas.microsoft.com/office/drawing/2010/main">
+              <a14:hiddenEffects xmlns:a14="http://schemas.microsoft.com/office/drawing/2010/main" xmlns="">
                 <a:effectLst>
                   <a:outerShdw blurRad="63500" dist="38099" dir="2700000" algn="ctr" rotWithShape="0">
                     <a:srgbClr val="000000">
@@ -22539,9 +22682,6 @@
                   </a:outerShdw>
                 </a:effectLst>
               </a14:hiddenEffects>
-            </a:ext>
-            <a:ext uri="{FAA26D3D-D897-4be2-8F04-BA451C77F1D7}">
-              <ma14:placeholderFlag xmlns:ma14="http://schemas.microsoft.com/office/mac/drawingml/2011/main" val="1"/>
             </a:ext>
           </a:extLst>
         </p:spPr>
@@ -22803,14 +22943,14 @@
           </a:ln>
           <a:extLst>
             <a:ext uri="{909E8E84-426E-40dd-AFC4-6F175D3DCCD1}">
-              <a14:hiddenFill xmlns:a14="http://schemas.microsoft.com/office/drawing/2010/main">
+              <a14:hiddenFill xmlns:a14="http://schemas.microsoft.com/office/drawing/2010/main" xmlns="">
                 <a:solidFill>
                   <a:srgbClr val="FFFFFF"/>
                 </a:solidFill>
               </a14:hiddenFill>
             </a:ext>
             <a:ext uri="{91240B29-F687-4f45-9708-019B960494DF}">
-              <a14:hiddenLine xmlns:a14="http://schemas.microsoft.com/office/drawing/2010/main" w="9525">
+              <a14:hiddenLine xmlns:a14="http://schemas.microsoft.com/office/drawing/2010/main" xmlns="" w="9525">
                 <a:solidFill>
                   <a:srgbClr val="000000"/>
                 </a:solidFill>
@@ -22932,13 +23072,13 @@
   <p:clrMapOvr>
     <a:masterClrMapping/>
   </p:clrMapOvr>
-  <p:transition xmlns:p14="http://schemas.microsoft.com/office/powerpoint/2010/main" spd="med">
+  <p:transition spd="med">
     <p:fade/>
   </p:transition>
   <p:timing>
     <p:tnLst>
       <p:par>
-        <p:cTn xmlns:p14="http://schemas.microsoft.com/office/powerpoint/2010/main" id="1" dur="indefinite" restart="never" nodeType="tmRoot"/>
+        <p:cTn id="1" dur="indefinite" restart="never" nodeType="tmRoot"/>
       </p:par>
     </p:tnLst>
   </p:timing>
@@ -23109,7 +23249,7 @@
   <p:timing>
     <p:tnLst>
       <p:par>
-        <p:cTn xmlns:p14="http://schemas.microsoft.com/office/powerpoint/2010/main" id="1" dur="indefinite" restart="never" nodeType="tmRoot">
+        <p:cTn id="1" dur="indefinite" restart="never" nodeType="tmRoot">
           <p:childTnLst>
             <p:seq concurrent="1" nextAc="seek">
               <p:cTn id="2" dur="indefinite" nodeType="mainSeq">
@@ -24469,7 +24609,7 @@
   <p:timing>
     <p:tnLst>
       <p:par>
-        <p:cTn xmlns:p14="http://schemas.microsoft.com/office/powerpoint/2010/main" id="1" dur="indefinite" restart="never" nodeType="tmRoot"/>
+        <p:cTn id="1" dur="indefinite" restart="never" nodeType="tmRoot"/>
       </p:par>
     </p:tnLst>
   </p:timing>
@@ -24536,7 +24676,7 @@
   <p:timing>
     <p:tnLst>
       <p:par>
-        <p:cTn xmlns:p14="http://schemas.microsoft.com/office/powerpoint/2010/main" id="1" dur="indefinite" restart="never" nodeType="tmRoot"/>
+        <p:cTn id="1" dur="indefinite" restart="never" nodeType="tmRoot"/>
       </p:par>
     </p:tnLst>
   </p:timing>
@@ -24643,7 +24783,7 @@
   <p:timing>
     <p:tnLst>
       <p:par>
-        <p:cTn xmlns:p14="http://schemas.microsoft.com/office/powerpoint/2010/main" id="1" dur="indefinite" restart="never" nodeType="tmRoot">
+        <p:cTn id="1" dur="indefinite" restart="never" nodeType="tmRoot">
           <p:childTnLst>
             <p:seq concurrent="1" nextAc="seek">
               <p:cTn id="2" dur="indefinite" nodeType="mainSeq">
@@ -24990,7 +25130,7 @@
   <p:timing>
     <p:tnLst>
       <p:par>
-        <p:cTn xmlns:p14="http://schemas.microsoft.com/office/powerpoint/2010/main" id="1" dur="indefinite" restart="never" nodeType="tmRoot">
+        <p:cTn id="1" dur="indefinite" restart="never" nodeType="tmRoot">
           <p:childTnLst>
             <p:seq concurrent="1" nextAc="seek">
               <p:cTn id="2" dur="indefinite" nodeType="mainSeq">
@@ -25476,7 +25616,7 @@
   <p:timing>
     <p:tnLst>
       <p:par>
-        <p:cTn xmlns:p14="http://schemas.microsoft.com/office/powerpoint/2010/main" id="1" dur="indefinite" restart="never" nodeType="tmRoot">
+        <p:cTn id="1" dur="indefinite" restart="never" nodeType="tmRoot">
           <p:childTnLst>
             <p:seq concurrent="1" nextAc="seek">
               <p:cTn id="2" dur="indefinite" nodeType="mainSeq">
@@ -25715,11 +25855,11 @@
   <p:clrMapOvr>
     <a:masterClrMapping/>
   </p:clrMapOvr>
-  <p:transition xmlns:p14="http://schemas.microsoft.com/office/powerpoint/2010/main"/>
+  <p:transition/>
   <p:timing>
     <p:tnLst>
       <p:par>
-        <p:cTn xmlns:p14="http://schemas.microsoft.com/office/powerpoint/2010/main" id="1" dur="indefinite" restart="never" nodeType="tmRoot"/>
+        <p:cTn id="1" dur="indefinite" restart="never" nodeType="tmRoot"/>
       </p:par>
     </p:tnLst>
   </p:timing>
@@ -25838,7 +25978,7 @@
   <p:timing>
     <p:tnLst>
       <p:par>
-        <p:cTn xmlns:p14="http://schemas.microsoft.com/office/powerpoint/2010/main" id="1" dur="indefinite" restart="never" nodeType="tmRoot"/>
+        <p:cTn id="1" dur="indefinite" restart="never" nodeType="tmRoot"/>
       </p:par>
     </p:tnLst>
   </p:timing>
@@ -25975,7 +26115,7 @@
         </p:blipFill>
         <p:spPr>
           <a:xfrm>
-            <a:off x="2341811" y="1796716"/>
+            <a:off x="2343148" y="1227221"/>
             <a:ext cx="6800852" cy="5061284"/>
           </a:xfrm>
           <a:prstGeom prst="rect">
@@ -26003,7 +26143,7 @@
   <p:timing>
     <p:tnLst>
       <p:par>
-        <p:cTn xmlns:p14="http://schemas.microsoft.com/office/powerpoint/2010/main" id="1" dur="indefinite" restart="never" nodeType="tmRoot">
+        <p:cTn id="1" dur="indefinite" restart="never" nodeType="tmRoot">
           <p:childTnLst>
             <p:seq concurrent="1" nextAc="seek">
               <p:cTn id="2" dur="indefinite" nodeType="mainSeq">
@@ -26275,7 +26415,7 @@
         </p:nvGrpSpPr>
         <p:grpSpPr>
           <a:xfrm rot="180000">
-            <a:off x="2043548" y="1172190"/>
+            <a:off x="2043548" y="1609680"/>
             <a:ext cx="1129295" cy="527006"/>
             <a:chOff x="1643042" y="2571744"/>
             <a:chExt cx="1500198" cy="928694"/>
@@ -26408,7 +26548,7 @@
         </p:nvGrpSpPr>
         <p:grpSpPr>
           <a:xfrm rot="180000">
-            <a:off x="7550901" y="1192696"/>
+            <a:off x="7550901" y="1630186"/>
             <a:ext cx="1129295" cy="527006"/>
             <a:chOff x="1643042" y="2571744"/>
             <a:chExt cx="1500198" cy="928694"/>
@@ -26541,7 +26681,7 @@
         </p:nvGrpSpPr>
         <p:grpSpPr>
           <a:xfrm rot="-120000">
-            <a:off x="3946108" y="1208721"/>
+            <a:off x="3946108" y="1646211"/>
             <a:ext cx="1129295" cy="527006"/>
             <a:chOff x="1643042" y="2571744"/>
             <a:chExt cx="1500198" cy="928694"/>
@@ -26674,7 +26814,7 @@
         </p:nvGrpSpPr>
         <p:grpSpPr>
           <a:xfrm rot="-120000">
-            <a:off x="5660620" y="1208721"/>
+            <a:off x="5660620" y="1646211"/>
             <a:ext cx="1129295" cy="527006"/>
             <a:chOff x="1643042" y="2571744"/>
             <a:chExt cx="1500198" cy="928694"/>
@@ -26807,7 +26947,7 @@
         </p:nvGrpSpPr>
         <p:grpSpPr>
           <a:xfrm rot="180000">
-            <a:off x="4058892" y="2315191"/>
+            <a:off x="4058892" y="2752681"/>
             <a:ext cx="1129295" cy="527006"/>
             <a:chOff x="1643042" y="2571744"/>
             <a:chExt cx="1500198" cy="928694"/>
@@ -26940,7 +27080,7 @@
         </p:nvGrpSpPr>
         <p:grpSpPr>
           <a:xfrm rot="-60000">
-            <a:off x="7542388" y="4740689"/>
+            <a:off x="7542388" y="5178179"/>
             <a:ext cx="1129295" cy="527006"/>
             <a:chOff x="1643042" y="2571744"/>
             <a:chExt cx="1500198" cy="928694"/>
@@ -27073,7 +27213,7 @@
         </p:nvGrpSpPr>
         <p:grpSpPr>
           <a:xfrm rot="180000">
-            <a:off x="7620688" y="2391391"/>
+            <a:off x="7620688" y="2828881"/>
             <a:ext cx="1129295" cy="527006"/>
             <a:chOff x="1643042" y="2571744"/>
             <a:chExt cx="1500198" cy="928694"/>
@@ -27206,7 +27346,7 @@
         </p:nvGrpSpPr>
         <p:grpSpPr>
           <a:xfrm rot="180000">
-            <a:off x="7487893" y="3534390"/>
+            <a:off x="7487893" y="3971880"/>
             <a:ext cx="1129295" cy="527006"/>
             <a:chOff x="1643042" y="2571744"/>
             <a:chExt cx="1500198" cy="928694"/>
@@ -27339,7 +27479,7 @@
         </p:nvGrpSpPr>
         <p:grpSpPr>
           <a:xfrm rot="180000">
-            <a:off x="5811493" y="2391390"/>
+            <a:off x="5811493" y="2828880"/>
             <a:ext cx="1129295" cy="527006"/>
             <a:chOff x="1643042" y="2571744"/>
             <a:chExt cx="1500198" cy="928694"/>
@@ -27472,7 +27612,7 @@
         </p:nvGrpSpPr>
         <p:grpSpPr>
           <a:xfrm rot="-60000">
-            <a:off x="5781966" y="3521488"/>
+            <a:off x="5781966" y="3958978"/>
             <a:ext cx="1129295" cy="527006"/>
             <a:chOff x="1643042" y="2571744"/>
             <a:chExt cx="1500198" cy="928694"/>
@@ -27709,7 +27849,7 @@
   <p:timing>
     <p:tnLst>
       <p:par>
-        <p:cTn xmlns:p14="http://schemas.microsoft.com/office/powerpoint/2010/main" id="1" dur="indefinite" restart="never" nodeType="tmRoot">
+        <p:cTn id="1" dur="indefinite" restart="never" nodeType="tmRoot">
           <p:childTnLst>
             <p:seq concurrent="1" nextAc="seek">
               <p:cTn id="2" dur="indefinite" nodeType="mainSeq">
@@ -28080,13 +28220,13 @@
   <p:clrMapOvr>
     <a:masterClrMapping/>
   </p:clrMapOvr>
-  <p:transition xmlns:p14="http://schemas.microsoft.com/office/powerpoint/2010/main" spd="med">
+  <p:transition spd="med">
     <p:fade/>
   </p:transition>
   <p:timing>
     <p:tnLst>
       <p:par>
-        <p:cTn xmlns:p14="http://schemas.microsoft.com/office/powerpoint/2010/main" id="1" dur="indefinite" restart="never" nodeType="tmRoot"/>
+        <p:cTn id="1" dur="indefinite" restart="never" nodeType="tmRoot"/>
       </p:par>
     </p:tnLst>
   </p:timing>
@@ -28214,7 +28354,7 @@
   <p:timing>
     <p:tnLst>
       <p:par>
-        <p:cTn xmlns:p14="http://schemas.microsoft.com/office/powerpoint/2010/main" id="1" dur="indefinite" restart="never" nodeType="tmRoot">
+        <p:cTn id="1" dur="indefinite" restart="never" nodeType="tmRoot">
           <p:childTnLst>
             <p:seq concurrent="1" nextAc="seek">
               <p:cTn id="2" dur="indefinite" nodeType="mainSeq">
@@ -28550,7 +28690,7 @@
   <p:timing>
     <p:tnLst>
       <p:par>
-        <p:cTn xmlns:p14="http://schemas.microsoft.com/office/powerpoint/2010/main" id="1" dur="indefinite" restart="never" nodeType="tmRoot">
+        <p:cTn id="1" dur="indefinite" restart="never" nodeType="tmRoot">
           <p:childTnLst>
             <p:seq concurrent="1" nextAc="seek">
               <p:cTn id="2" dur="indefinite" nodeType="mainSeq">
@@ -29153,7 +29293,7 @@
   <p:timing>
     <p:tnLst>
       <p:par>
-        <p:cTn xmlns:p14="http://schemas.microsoft.com/office/powerpoint/2010/main" id="1" dur="indefinite" restart="never" nodeType="tmRoot">
+        <p:cTn id="1" dur="indefinite" restart="never" nodeType="tmRoot">
           <p:childTnLst>
             <p:seq concurrent="1" nextAc="seek">
               <p:cTn id="2" dur="indefinite" nodeType="mainSeq">
@@ -31124,7 +31264,7 @@
   <p:timing>
     <p:tnLst>
       <p:par>
-        <p:cTn xmlns:p14="http://schemas.microsoft.com/office/powerpoint/2010/main" id="1" dur="indefinite" restart="never" nodeType="tmRoot"/>
+        <p:cTn id="1" dur="indefinite" restart="never" nodeType="tmRoot"/>
       </p:par>
     </p:tnLst>
   </p:timing>
@@ -31221,7 +31361,7 @@
   <p:timing>
     <p:tnLst>
       <p:par>
-        <p:cTn xmlns:p14="http://schemas.microsoft.com/office/powerpoint/2010/main" id="1" dur="indefinite" restart="never" nodeType="tmRoot">
+        <p:cTn id="1" dur="indefinite" restart="never" nodeType="tmRoot">
           <p:childTnLst>
             <p:seq concurrent="1" nextAc="seek">
               <p:cTn id="2" dur="indefinite" nodeType="mainSeq">
@@ -32028,13 +32168,13 @@
   <p:clrMapOvr>
     <a:masterClrMapping/>
   </p:clrMapOvr>
-  <p:transition xmlns:p14="http://schemas.microsoft.com/office/powerpoint/2010/main" spd="med">
+  <p:transition spd="med">
     <p:fade/>
   </p:transition>
   <p:timing>
     <p:tnLst>
       <p:par>
-        <p:cTn xmlns:p14="http://schemas.microsoft.com/office/powerpoint/2010/main" id="1" dur="indefinite" restart="never" nodeType="tmRoot"/>
+        <p:cTn id="1" dur="indefinite" restart="never" nodeType="tmRoot"/>
       </p:par>
     </p:tnLst>
   </p:timing>
@@ -32090,11 +32230,11 @@
   <p:clrMapOvr>
     <a:masterClrMapping/>
   </p:clrMapOvr>
-  <p:transition xmlns:p14="http://schemas.microsoft.com/office/powerpoint/2010/main"/>
+  <p:transition/>
   <p:timing>
     <p:tnLst>
       <p:par>
-        <p:cTn xmlns:p14="http://schemas.microsoft.com/office/powerpoint/2010/main" id="1" dur="indefinite" restart="never" nodeType="tmRoot"/>
+        <p:cTn id="1" dur="indefinite" restart="never" nodeType="tmRoot"/>
       </p:par>
     </p:tnLst>
   </p:timing>
@@ -32161,7 +32301,7 @@
   <p:timing>
     <p:tnLst>
       <p:par>
-        <p:cTn xmlns:p14="http://schemas.microsoft.com/office/powerpoint/2010/main" id="1" dur="indefinite" restart="never" nodeType="tmRoot"/>
+        <p:cTn id="1" dur="indefinite" restart="never" nodeType="tmRoot"/>
       </p:par>
     </p:tnLst>
   </p:timing>
@@ -32286,7 +32426,7 @@
   <p:timing>
     <p:tnLst>
       <p:par>
-        <p:cTn xmlns:p14="http://schemas.microsoft.com/office/powerpoint/2010/main" id="1" dur="indefinite" restart="never" nodeType="tmRoot">
+        <p:cTn id="1" dur="indefinite" restart="never" nodeType="tmRoot">
           <p:childTnLst>
             <p:seq concurrent="1" nextAc="seek">
               <p:cTn id="2" dur="indefinite" nodeType="mainSeq">
@@ -33173,7 +33313,7 @@
   <p:timing>
     <p:tnLst>
       <p:par>
-        <p:cTn xmlns:p14="http://schemas.microsoft.com/office/powerpoint/2010/main" id="1" dur="indefinite" restart="never" nodeType="tmRoot">
+        <p:cTn id="1" dur="indefinite" restart="never" nodeType="tmRoot">
           <p:childTnLst>
             <p:seq concurrent="1" nextAc="seek">
               <p:cTn id="2" dur="indefinite" nodeType="mainSeq">
@@ -33890,7 +34030,7 @@
   <p:timing>
     <p:tnLst>
       <p:par>
-        <p:cTn xmlns:p14="http://schemas.microsoft.com/office/powerpoint/2010/main" id="1" dur="indefinite" restart="never" nodeType="tmRoot">
+        <p:cTn id="1" dur="indefinite" restart="never" nodeType="tmRoot">
           <p:childTnLst>
             <p:seq concurrent="1" nextAc="seek">
               <p:cTn id="2" dur="indefinite" nodeType="mainSeq">
@@ -34684,7 +34824,7 @@
   <p:timing>
     <p:tnLst>
       <p:par>
-        <p:cTn xmlns:p14="http://schemas.microsoft.com/office/powerpoint/2010/main" id="1" dur="indefinite" restart="never" nodeType="tmRoot">
+        <p:cTn id="1" dur="indefinite" restart="never" nodeType="tmRoot">
           <p:childTnLst>
             <p:seq concurrent="1" nextAc="seek">
               <p:cTn id="2" dur="indefinite" nodeType="mainSeq">
@@ -35388,7 +35528,7 @@
   <p:timing>
     <p:tnLst>
       <p:par>
-        <p:cTn xmlns:p14="http://schemas.microsoft.com/office/powerpoint/2010/main" id="1" dur="indefinite" restart="never" nodeType="tmRoot">
+        <p:cTn id="1" dur="indefinite" restart="never" nodeType="tmRoot">
           <p:childTnLst>
             <p:seq concurrent="1" nextAc="seek">
               <p:cTn id="2" dur="indefinite" nodeType="mainSeq">
@@ -35738,7 +35878,7 @@
   <p:timing>
     <p:tnLst>
       <p:par>
-        <p:cTn xmlns:p14="http://schemas.microsoft.com/office/powerpoint/2010/main" id="1" dur="indefinite" restart="never" nodeType="tmRoot"/>
+        <p:cTn id="1" dur="indefinite" restart="never" nodeType="tmRoot"/>
       </p:par>
     </p:tnLst>
   </p:timing>
